--- a/How to configure AWS SES.pptx
+++ b/How to configure AWS SES.pptx
@@ -8479,7 +8479,7 @@
               </a:ext>
             </a:extLst>
           </a:blip>
-          <a:srcRect t="6841" b="12124"/>
+          <a:srcRect/>
           <a:stretch/>
         </p:blipFill>
         <p:spPr>
@@ -27927,7 +27927,7 @@
                 <a:latin typeface="+mn-lt"/>
                 <a:cs typeface="Courier New" panose="02070309020205020404" pitchFamily="49" charset="0"/>
               </a:rPr>
-              <a:t>(HTML converted to JSON from the prior slide)</a:t>
+              <a:t>(paste here the HTML converted to JSON from the prior slide)</a:t>
             </a:r>
           </a:p>
           <a:p>
@@ -28058,7 +28058,7 @@
         <p:spPr>
           <a:xfrm>
             <a:off x="482050" y="1351671"/>
-            <a:ext cx="11208045" cy="2755819"/>
+            <a:ext cx="11208045" cy="2435282"/>
           </a:xfrm>
         </p:spPr>
         <p:txBody>
@@ -28070,12 +28070,22 @@
               <a:t>I am assuming you configured you AWS CLI to access your account, using </a:t>
             </a:r>
             <a:r>
-              <a:rPr lang="en-US" dirty="0" err="1"/>
+              <a:rPr lang="en-US" b="1" dirty="0" err="1">
+                <a:latin typeface="Courier New" panose="02070309020205020404" pitchFamily="49" charset="0"/>
+                <a:cs typeface="Courier New" panose="02070309020205020404" pitchFamily="49" charset="0"/>
+              </a:rPr>
               <a:t>aws</a:t>
             </a:r>
             <a:r>
+              <a:rPr lang="en-US" b="1" dirty="0">
+                <a:latin typeface="Courier New" panose="02070309020205020404" pitchFamily="49" charset="0"/>
+                <a:cs typeface="Courier New" panose="02070309020205020404" pitchFamily="49" charset="0"/>
+              </a:rPr>
+              <a:t> configure </a:t>
+            </a:r>
+            <a:r>
               <a:rPr lang="en-US" dirty="0"/>
-              <a:t> configure command.</a:t>
+              <a:t>command.</a:t>
             </a:r>
           </a:p>
           <a:p>
@@ -29544,7 +29554,7 @@
           <a:p>
             <a:r>
               <a:rPr lang="en-US" dirty="0"/>
-              <a:t>AWS take something around 12 hours to answer this request.</a:t>
+              <a:t>AWS take around 12 hours to answer this request.</a:t>
             </a:r>
           </a:p>
         </p:txBody>
@@ -29665,7 +29675,31 @@
           <a:p>
             <a:r>
               <a:rPr lang="en-US" dirty="0"/>
-              <a:t>I wrote a script which read a file with "&lt;email&gt; &lt;name&gt;\n" format that generates those emails files. You can see in artifacts.</a:t>
+              <a:t>I wrote a script (</a:t>
+            </a:r>
+            <a:r>
+              <a:rPr lang="en-US" i="1" dirty="0" err="1"/>
+              <a:t>printjson.c</a:t>
+            </a:r>
+            <a:r>
+              <a:rPr lang="en-US" dirty="0"/>
+              <a:t> or </a:t>
+            </a:r>
+            <a:r>
+              <a:rPr lang="en-US" i="1" dirty="0" err="1"/>
+              <a:t>printjson.py</a:t>
+            </a:r>
+            <a:r>
+              <a:rPr lang="en-US" dirty="0"/>
+              <a:t>) which read a file with "&lt;email&gt; &lt;name&gt;\n" format (</a:t>
+            </a:r>
+            <a:r>
+              <a:rPr lang="en-US" i="1" dirty="0" err="1"/>
+              <a:t>listamail.txt</a:t>
+            </a:r>
+            <a:r>
+              <a:rPr lang="en-US" dirty="0"/>
+              <a:t>) that generates those emails files. You can see in artifacts.</a:t>
             </a:r>
           </a:p>
           <a:p>
@@ -29839,7 +29873,7 @@
         <p:spPr>
           <a:xfrm>
             <a:off x="482050" y="1252312"/>
-            <a:ext cx="9601413" cy="383375"/>
+            <a:ext cx="9601413" cy="2638543"/>
           </a:xfrm>
         </p:spPr>
         <p:txBody>
@@ -29848,8 +29882,135 @@
           <a:p>
             <a:r>
               <a:rPr lang="en-US" dirty="0"/>
-              <a:t>ads</a:t>
-            </a:r>
+              <a:t>Please visit: https://</a:t>
+            </a:r>
+            <a:r>
+              <a:rPr lang="en-US" dirty="0" err="1"/>
+              <a:t>github.com</a:t>
+            </a:r>
+            <a:r>
+              <a:rPr lang="en-US" dirty="0"/>
+              <a:t>/</a:t>
+            </a:r>
+            <a:r>
+              <a:rPr lang="en-US" dirty="0" err="1"/>
+              <a:t>marzulo</a:t>
+            </a:r>
+            <a:r>
+              <a:rPr lang="en-US" dirty="0"/>
+              <a:t>/</a:t>
+            </a:r>
+            <a:r>
+              <a:rPr lang="en-US" dirty="0" err="1"/>
+              <a:t>AWS_SES_artifacts.git</a:t>
+            </a:r>
+            <a:endParaRPr lang="en-US" dirty="0"/>
+          </a:p>
+          <a:p>
+            <a:endParaRPr lang="en-US" dirty="0"/>
+          </a:p>
+          <a:p>
+            <a:r>
+              <a:rPr lang="en-US" dirty="0"/>
+              <a:t>In your Terminal, create a new directory and type:</a:t>
+            </a:r>
+          </a:p>
+          <a:p>
+            <a:pPr marL="0" indent="0">
+              <a:buNone/>
+            </a:pPr>
+            <a:r>
+              <a:rPr lang="en-US" sz="1600" b="1" dirty="0" err="1">
+                <a:latin typeface="Courier New" panose="02070309020205020404" pitchFamily="49" charset="0"/>
+                <a:cs typeface="Courier New" panose="02070309020205020404" pitchFamily="49" charset="0"/>
+              </a:rPr>
+              <a:t>git</a:t>
+            </a:r>
+            <a:r>
+              <a:rPr lang="en-US" sz="1600" b="1" dirty="0">
+                <a:latin typeface="Courier New" panose="02070309020205020404" pitchFamily="49" charset="0"/>
+                <a:cs typeface="Courier New" panose="02070309020205020404" pitchFamily="49" charset="0"/>
+              </a:rPr>
+              <a:t> </a:t>
+            </a:r>
+            <a:r>
+              <a:rPr lang="en-US" sz="1600" b="1" dirty="0" err="1">
+                <a:latin typeface="Courier New" panose="02070309020205020404" pitchFamily="49" charset="0"/>
+                <a:cs typeface="Courier New" panose="02070309020205020404" pitchFamily="49" charset="0"/>
+              </a:rPr>
+              <a:t>init</a:t>
+            </a:r>
+            <a:endParaRPr lang="en-US" sz="1600" b="1" dirty="0">
+              <a:latin typeface="Courier New" panose="02070309020205020404" pitchFamily="49" charset="0"/>
+              <a:cs typeface="Courier New" panose="02070309020205020404" pitchFamily="49" charset="0"/>
+            </a:endParaRPr>
+          </a:p>
+          <a:p>
+            <a:pPr marL="0" indent="0">
+              <a:buNone/>
+            </a:pPr>
+            <a:r>
+              <a:rPr lang="en-US" sz="1600" b="1" dirty="0" err="1">
+                <a:latin typeface="Courier New" panose="02070309020205020404" pitchFamily="49" charset="0"/>
+                <a:cs typeface="Courier New" panose="02070309020205020404" pitchFamily="49" charset="0"/>
+              </a:rPr>
+              <a:t>git</a:t>
+            </a:r>
+            <a:r>
+              <a:rPr lang="en-US" sz="1600" b="1" dirty="0">
+                <a:latin typeface="Courier New" panose="02070309020205020404" pitchFamily="49" charset="0"/>
+                <a:cs typeface="Courier New" panose="02070309020205020404" pitchFamily="49" charset="0"/>
+              </a:rPr>
+              <a:t> pull https://</a:t>
+            </a:r>
+            <a:r>
+              <a:rPr lang="en-US" sz="1600" b="1" dirty="0" err="1">
+                <a:latin typeface="Courier New" panose="02070309020205020404" pitchFamily="49" charset="0"/>
+                <a:cs typeface="Courier New" panose="02070309020205020404" pitchFamily="49" charset="0"/>
+              </a:rPr>
+              <a:t>github.com</a:t>
+            </a:r>
+            <a:r>
+              <a:rPr lang="en-US" sz="1600" b="1" dirty="0">
+                <a:latin typeface="Courier New" panose="02070309020205020404" pitchFamily="49" charset="0"/>
+                <a:cs typeface="Courier New" panose="02070309020205020404" pitchFamily="49" charset="0"/>
+              </a:rPr>
+              <a:t>/</a:t>
+            </a:r>
+            <a:r>
+              <a:rPr lang="en-US" sz="1600" b="1" dirty="0" err="1">
+                <a:latin typeface="Courier New" panose="02070309020205020404" pitchFamily="49" charset="0"/>
+                <a:cs typeface="Courier New" panose="02070309020205020404" pitchFamily="49" charset="0"/>
+              </a:rPr>
+              <a:t>marzulo</a:t>
+            </a:r>
+            <a:r>
+              <a:rPr lang="en-US" sz="1600" b="1" dirty="0">
+                <a:latin typeface="Courier New" panose="02070309020205020404" pitchFamily="49" charset="0"/>
+                <a:cs typeface="Courier New" panose="02070309020205020404" pitchFamily="49" charset="0"/>
+              </a:rPr>
+              <a:t>/</a:t>
+            </a:r>
+            <a:r>
+              <a:rPr lang="en-US" sz="1600" b="1" dirty="0" err="1">
+                <a:latin typeface="Courier New" panose="02070309020205020404" pitchFamily="49" charset="0"/>
+                <a:cs typeface="Courier New" panose="02070309020205020404" pitchFamily="49" charset="0"/>
+              </a:rPr>
+              <a:t>AWS_SES_artifacts.git</a:t>
+            </a:r>
+            <a:endParaRPr lang="en-US" sz="1600" b="1" dirty="0">
+              <a:latin typeface="Courier New" panose="02070309020205020404" pitchFamily="49" charset="0"/>
+              <a:cs typeface="Courier New" panose="02070309020205020404" pitchFamily="49" charset="0"/>
+            </a:endParaRPr>
+          </a:p>
+          <a:p>
+            <a:pPr marL="0" indent="0">
+              <a:buNone/>
+            </a:pPr>
+            <a:endParaRPr lang="en-US" sz="1600" b="1" dirty="0">
+              <a:latin typeface="Courier New" panose="02070309020205020404" pitchFamily="49" charset="0"/>
+              <a:cs typeface="Courier New" panose="02070309020205020404" pitchFamily="49" charset="0"/>
+            </a:endParaRPr>
           </a:p>
         </p:txBody>
       </p:sp>
@@ -31046,15 +31207,7 @@
           <a:p>
             <a:r>
               <a:rPr lang="en-US" dirty="0"/>
-              <a:t>Choose a nice E-Mail template. I </a:t>
-            </a:r>
-            <a:r>
-              <a:rPr lang="en-US" dirty="0" err="1"/>
-              <a:t>choosed</a:t>
-            </a:r>
-            <a:r>
-              <a:rPr lang="en-US" dirty="0"/>
-              <a:t> Email Octopus available here:</a:t>
+              <a:t>Choose a nice E-Mail template. My choice was Email Octopus available here:</a:t>
             </a:r>
           </a:p>
           <a:p>
@@ -31094,9 +31247,12 @@
           <a:p>
             <a:r>
               <a:rPr lang="en-US" dirty="0" err="1"/>
-              <a:t>asdasd</a:t>
-            </a:r>
-            <a:endParaRPr lang="en-US" dirty="0"/>
+              <a:t>Github</a:t>
+            </a:r>
+            <a:r>
+              <a:rPr lang="en-US" dirty="0"/>
+              <a:t> CLI installed (optional)</a:t>
+            </a:r>
           </a:p>
         </p:txBody>
       </p:sp>
@@ -31536,7 +31692,7 @@
         <p:spPr>
           <a:xfrm>
             <a:off x="1295294" y="1470026"/>
-            <a:ext cx="9601413" cy="4294765"/>
+            <a:ext cx="9601413" cy="3974165"/>
           </a:xfrm>
         </p:spPr>
         <p:txBody>
@@ -31545,7 +31701,7 @@
           <a:p>
             <a:r>
               <a:rPr lang="en-US" dirty="0"/>
-              <a:t>On the left side click on Configuration Sets and type a name that make sense to your goal:</a:t>
+              <a:t>On the left side click on Configuration Sets and type a name that make sense to you:</a:t>
             </a:r>
           </a:p>
           <a:p>
@@ -31886,7 +32042,7 @@
         <p:spPr>
           <a:xfrm>
             <a:off x="1295294" y="1470026"/>
-            <a:ext cx="6072158" cy="4102341"/>
+            <a:ext cx="6072158" cy="4102405"/>
           </a:xfrm>
         </p:spPr>
         <p:txBody>
@@ -31913,7 +32069,15 @@
           <a:p>
             <a:r>
               <a:rPr lang="en-US" dirty="0"/>
-              <a:t>If you wish a replaceable text on the email, use {{word}} variable. In my example, I made the </a:t>
+              <a:t>If you wish a replaceable text on the email, use </a:t>
+            </a:r>
+            <a:r>
+              <a:rPr lang="en-US" b="1" i="1" dirty="0"/>
+              <a:t>{{word}} </a:t>
+            </a:r>
+            <a:r>
+              <a:rPr lang="en-US" dirty="0"/>
+              <a:t>variable. In my example, I made the </a:t>
             </a:r>
             <a:r>
               <a:rPr lang="en-US" b="1" i="1" dirty="0"/>
@@ -31927,7 +32091,7 @@
           <a:p>
             <a:r>
               <a:rPr lang="en-US" dirty="0"/>
-              <a:t>You can see the detailed html file, in the attached artifacts.</a:t>
+              <a:t>You can see the detailed html file, in the artifacts.</a:t>
             </a:r>
           </a:p>
         </p:txBody>
@@ -32098,7 +32262,7 @@
           <a:p>
             <a:r>
               <a:rPr lang="en-US" dirty="0"/>
-              <a:t>You can use vi too, typing following command on the HTML file:</a:t>
+              <a:t>You can use VIM too, typing following commands on the HTML file:</a:t>
             </a:r>
           </a:p>
           <a:p>
